--- a/PokerJoker.pptx
+++ b/PokerJoker.pptx
@@ -5,16 +5,17 @@
     <p:sldMasterId id="2147483648" r:id="rId1"/>
   </p:sldMasterIdLst>
   <p:notesMasterIdLst>
-    <p:notesMasterId r:id="rId6"/>
+    <p:notesMasterId r:id="rId7"/>
   </p:notesMasterIdLst>
   <p:handoutMasterIdLst>
-    <p:handoutMasterId r:id="rId7"/>
+    <p:handoutMasterId r:id="rId8"/>
   </p:handoutMasterIdLst>
   <p:sldIdLst>
     <p:sldId id="256" r:id="rId2"/>
     <p:sldId id="257" r:id="rId3"/>
     <p:sldId id="258" r:id="rId4"/>
     <p:sldId id="259" r:id="rId5"/>
+    <p:sldId id="260" r:id="rId6"/>
   </p:sldIdLst>
   <p:sldSz cx="9144000" cy="6858000" type="screen4x3"/>
   <p:notesSz cx="6858000" cy="9144000"/>
@@ -1068,6 +1069,113 @@
     <p:extLst>
       <p:ext uri="{BB962C8B-B14F-4D97-AF65-F5344CB8AC3E}">
         <p14:creationId xmlns:p14="http://schemas.microsoft.com/office/powerpoint/2010/main" val="1692067984"/>
+      </p:ext>
+    </p:extLst>
+  </p:cSld>
+  <p:clrMapOvr>
+    <a:masterClrMapping/>
+  </p:clrMapOvr>
+</p:notes>
+</file>
+
+<file path=ppt/notesSlides/notesSlide5.xml><?xml version="1.0" encoding="utf-8"?>
+<p:notes xmlns:a="http://schemas.openxmlformats.org/drawingml/2006/main" xmlns:r="http://schemas.openxmlformats.org/officeDocument/2006/relationships" xmlns:p="http://schemas.openxmlformats.org/presentationml/2006/main">
+  <p:cSld>
+    <p:spTree>
+      <p:nvGrpSpPr>
+        <p:cNvPr id="1" name=""/>
+        <p:cNvGrpSpPr/>
+        <p:nvPr/>
+      </p:nvGrpSpPr>
+      <p:grpSpPr>
+        <a:xfrm>
+          <a:off x="0" y="0"/>
+          <a:ext cx="0" cy="0"/>
+          <a:chOff x="0" y="0"/>
+          <a:chExt cx="0" cy="0"/>
+        </a:xfrm>
+      </p:grpSpPr>
+      <p:sp>
+        <p:nvSpPr>
+          <p:cNvPr id="2" name="Slide Image Placeholder 1"/>
+          <p:cNvSpPr>
+            <a:spLocks noGrp="1" noRot="1" noChangeAspect="1"/>
+          </p:cNvSpPr>
+          <p:nvPr>
+            <p:ph type="sldImg"/>
+          </p:nvPr>
+        </p:nvSpPr>
+        <p:spPr/>
+      </p:sp>
+      <p:sp>
+        <p:nvSpPr>
+          <p:cNvPr id="3" name="Notes Placeholder 2"/>
+          <p:cNvSpPr>
+            <a:spLocks noGrp="1"/>
+          </p:cNvSpPr>
+          <p:nvPr>
+            <p:ph type="body" idx="1"/>
+          </p:nvPr>
+        </p:nvSpPr>
+        <p:spPr/>
+        <p:txBody>
+          <a:bodyPr/>
+          <a:lstStyle/>
+          <a:p>
+            <a:endParaRPr lang="en-IN"/>
+          </a:p>
+        </p:txBody>
+      </p:sp>
+      <p:sp>
+        <p:nvSpPr>
+          <p:cNvPr id="5" name="Footer Placeholder 4"/>
+          <p:cNvSpPr>
+            <a:spLocks noGrp="1"/>
+          </p:cNvSpPr>
+          <p:nvPr>
+            <p:ph type="ftr" sz="quarter" idx="11"/>
+          </p:nvPr>
+        </p:nvSpPr>
+        <p:spPr/>
+        <p:txBody>
+          <a:bodyPr/>
+          <a:lstStyle/>
+          <a:p>
+            <a:r>
+              <a:rPr lang="en-IN" smtClean="0"/>
+              <a:t>Djangothon HackerEarth</a:t>
+            </a:r>
+            <a:endParaRPr lang="en-IN"/>
+          </a:p>
+        </p:txBody>
+      </p:sp>
+      <p:sp>
+        <p:nvSpPr>
+          <p:cNvPr id="6" name="Header Placeholder 5"/>
+          <p:cNvSpPr>
+            <a:spLocks noGrp="1"/>
+          </p:cNvSpPr>
+          <p:nvPr>
+            <p:ph type="hdr" sz="quarter" idx="12"/>
+          </p:nvPr>
+        </p:nvSpPr>
+        <p:spPr/>
+        <p:txBody>
+          <a:bodyPr/>
+          <a:lstStyle/>
+          <a:p>
+            <a:r>
+              <a:rPr lang="en-IN" smtClean="0"/>
+              <a:t>Poker App</a:t>
+            </a:r>
+            <a:endParaRPr lang="en-IN"/>
+          </a:p>
+        </p:txBody>
+      </p:sp>
+    </p:spTree>
+    <p:extLst>
+      <p:ext uri="{BB962C8B-B14F-4D97-AF65-F5344CB8AC3E}">
+        <p14:creationId xmlns:p14="http://schemas.microsoft.com/office/powerpoint/2010/main" val="2925750936"/>
       </p:ext>
     </p:extLst>
   </p:cSld>
@@ -4035,12 +4143,67 @@
           </a:xfrm>
         </p:spPr>
         <p:txBody>
-          <a:bodyPr/>
-          <a:lstStyle/>
-          <a:p>
+          <a:bodyPr>
+            <a:normAutofit fontScale="90000"/>
+          </a:bodyPr>
+          <a:lstStyle/>
+          <a:p>
+            <a:pPr algn="l"/>
             <a:r>
               <a:rPr lang="en-IN" dirty="0" smtClean="0"/>
-              <a:t>Pock a dead donkey</a:t>
+              <a:t>Pock </a:t>
+            </a:r>
+            <a:r>
+              <a:rPr lang="en-IN" dirty="0" smtClean="0">
+                <a:sym typeface="Wingdings" pitchFamily="2" charset="2"/>
+              </a:rPr>
+              <a:t> </a:t>
+            </a:r>
+            <a:br>
+              <a:rPr lang="en-IN" dirty="0" smtClean="0">
+                <a:sym typeface="Wingdings" pitchFamily="2" charset="2"/>
+              </a:rPr>
+            </a:br>
+            <a:r>
+              <a:rPr lang="en-IN" dirty="0" smtClean="0">
+                <a:sym typeface="Wingdings" pitchFamily="2" charset="2"/>
+              </a:rPr>
+              <a:t>			</a:t>
+            </a:r>
+            <a:r>
+              <a:rPr lang="en-IN" dirty="0" smtClean="0"/>
+              <a:t>dead </a:t>
+            </a:r>
+            <a:r>
+              <a:rPr lang="en-IN" dirty="0" err="1" smtClean="0"/>
+              <a:t>donkies</a:t>
+            </a:r>
+            <a:r>
+              <a:rPr lang="en-IN" dirty="0" smtClean="0"/>
+              <a:t/>
+            </a:r>
+            <a:br>
+              <a:rPr lang="en-IN" dirty="0" smtClean="0"/>
+            </a:br>
+            <a:r>
+              <a:rPr lang="en-IN" dirty="0"/>
+              <a:t>	</a:t>
+            </a:r>
+            <a:r>
+              <a:rPr lang="en-IN" dirty="0" smtClean="0"/>
+              <a:t>						</a:t>
+            </a:r>
+            <a:r>
+              <a:rPr lang="en-IN" dirty="0">
+                <a:sym typeface="Wingdings" pitchFamily="2" charset="2"/>
+              </a:rPr>
+              <a:t> </a:t>
+            </a:r>
+            <a:r>
+              <a:rPr lang="en-IN" dirty="0" smtClean="0">
+                <a:sym typeface="Wingdings" pitchFamily="2" charset="2"/>
+              </a:rPr>
+              <a:t></a:t>
             </a:r>
             <a:endParaRPr lang="en-IN" dirty="0"/>
           </a:p>
@@ -4063,14 +4226,28 @@
           </a:xfrm>
         </p:spPr>
         <p:txBody>
-          <a:bodyPr/>
-          <a:lstStyle/>
+          <a:bodyPr>
+            <a:normAutofit fontScale="77500" lnSpcReduction="20000"/>
+          </a:bodyPr>
+          <a:lstStyle/>
+          <a:p>
+            <a:pPr algn="r"/>
+            <a:r>
+              <a:rPr lang="en-IN" b="1" dirty="0" err="1" smtClean="0"/>
+              <a:t>Gagan</a:t>
+            </a:r>
+            <a:r>
+              <a:rPr lang="en-IN" b="1" dirty="0" smtClean="0"/>
+              <a:t> Singh</a:t>
+            </a:r>
+          </a:p>
           <a:p>
             <a:pPr algn="r"/>
             <a:r>
               <a:rPr lang="en-IN" dirty="0" smtClean="0"/>
               <a:t>Nikhilesh</a:t>
             </a:r>
+            <a:endParaRPr lang="en-IN" dirty="0" smtClean="0"/>
           </a:p>
           <a:p>
             <a:pPr algn="r"/>
@@ -4135,7 +4312,7 @@
           <a:p>
             <a:pPr algn="r"/>
             <a:r>
-              <a:rPr lang="en-IN" dirty="0"/>
+              <a:rPr lang="en-IN" b="1" i="1" dirty="0"/>
               <a:t>Poker App</a:t>
             </a:r>
           </a:p>
@@ -4157,18 +4334,22 @@
           <a:lstStyle/>
           <a:p>
             <a:r>
-              <a:rPr lang="en-US" dirty="0" err="1"/>
+              <a:rPr lang="en-US" sz="1600" b="1" dirty="0" err="1" smtClean="0"/>
+              <a:t>HackerEarth</a:t>
+            </a:r>
+            <a:r>
+              <a:rPr lang="en-US" sz="1600" b="1" dirty="0" smtClean="0"/>
+              <a:t> </a:t>
+            </a:r>
+            <a:r>
+              <a:rPr lang="en-US" sz="1600" b="1" dirty="0" err="1"/>
               <a:t>Djangothon</a:t>
             </a:r>
             <a:r>
-              <a:rPr lang="en-US" dirty="0"/>
+              <a:rPr lang="en-US" sz="1600" b="1" dirty="0"/>
               <a:t> </a:t>
             </a:r>
-            <a:r>
-              <a:rPr lang="en-US" dirty="0" err="1"/>
-              <a:t>HackerEarth</a:t>
-            </a:r>
-            <a:endParaRPr lang="en-US" dirty="0"/>
+            <a:endParaRPr lang="en-US" sz="1600" b="1" dirty="0"/>
           </a:p>
         </p:txBody>
       </p:sp>
@@ -4180,8 +4361,8 @@
         </p:nvSpPr>
         <p:spPr>
           <a:xfrm>
-            <a:off x="1143000" y="1371600"/>
-            <a:ext cx="6477000" cy="3416320"/>
+            <a:off x="457200" y="762000"/>
+            <a:ext cx="8305800" cy="5570756"/>
           </a:xfrm>
           <a:prstGeom prst="rect">
             <a:avLst/>
@@ -4195,26 +4376,59 @@
           <a:lstStyle/>
           <a:p>
             <a:r>
-              <a:rPr lang="en-IN" sz="3600" b="1" u="sng" dirty="0" smtClean="0"/>
+              <a:rPr lang="en-IN" sz="3600" u="sng" dirty="0" smtClean="0"/>
               <a:t>Pains</a:t>
             </a:r>
+            <a:endParaRPr lang="en-IN" sz="3600" u="sng" dirty="0" smtClean="0"/>
           </a:p>
           <a:p>
             <a:endParaRPr lang="en-IN" sz="3600" dirty="0" smtClean="0">
               <a:sym typeface="Wingdings" pitchFamily="2" charset="2"/>
             </a:endParaRPr>
+          </a:p>
+          <a:p>
+            <a:pPr indent="-285750">
+              <a:buFont typeface="Wingdings" pitchFamily="2" charset="2"/>
+              <a:buChar char="Ø"/>
+            </a:pPr>
+            <a:r>
+              <a:rPr lang="en-IN" sz="3600" dirty="0" smtClean="0">
+                <a:sym typeface="Wingdings" pitchFamily="2" charset="2"/>
+              </a:rPr>
+              <a:t>Contacts spread over dozen </a:t>
+            </a:r>
+            <a:r>
+              <a:rPr lang="en-IN" sz="3600" dirty="0">
+                <a:sym typeface="Wingdings" pitchFamily="2" charset="2"/>
+              </a:rPr>
+              <a:t>	</a:t>
+            </a:r>
+            <a:r>
+              <a:rPr lang="en-IN" sz="3600" dirty="0" smtClean="0">
+                <a:sym typeface="Wingdings" pitchFamily="2" charset="2"/>
+              </a:rPr>
+              <a:t>						</a:t>
+            </a:r>
+            <a:r>
+              <a:rPr lang="en-IN" sz="2500" b="1" dirty="0">
+                <a:solidFill>
+                  <a:schemeClr val="tx1">
+                    <a:tint val="75000"/>
+                  </a:schemeClr>
+                </a:solidFill>
+                <a:sym typeface="Wingdings" pitchFamily="2" charset="2"/>
+              </a:rPr>
+              <a:t>systems/apps/papers</a:t>
+            </a:r>
           </a:p>
           <a:p>
             <a:pPr marL="285750" indent="-285750">
               <a:buFont typeface="Wingdings" pitchFamily="2" charset="2"/>
               <a:buChar char="Ø"/>
             </a:pPr>
-            <a:r>
-              <a:rPr lang="en-IN" sz="3600" dirty="0" smtClean="0">
-                <a:sym typeface="Wingdings" pitchFamily="2" charset="2"/>
-              </a:rPr>
-              <a:t>Contacts spread over dozen systems/apps/papers</a:t>
-            </a:r>
+            <a:endParaRPr lang="en-IN" sz="3200" dirty="0" smtClean="0">
+              <a:sym typeface="Wingdings" pitchFamily="2" charset="2"/>
+            </a:endParaRPr>
           </a:p>
           <a:p>
             <a:pPr marL="285750" indent="-285750">
@@ -4237,16 +4451,54 @@
               <a:rPr lang="en-IN" sz="3600" dirty="0" smtClean="0">
                 <a:sym typeface="Wingdings" pitchFamily="2" charset="2"/>
               </a:rPr>
-              <a:t>f Sight  Out </a:t>
-            </a:r>
-            <a:r>
-              <a:rPr lang="en-IN" sz="3600" dirty="0">
+              <a:t>f </a:t>
+            </a:r>
+            <a:r>
+              <a:rPr lang="en-IN" sz="3600" dirty="0" smtClean="0">
+                <a:sym typeface="Wingdings" pitchFamily="2" charset="2"/>
+              </a:rPr>
+              <a:t>Sight</a:t>
+            </a:r>
+            <a:endParaRPr lang="en-IN" sz="3600" dirty="0">
+              <a:sym typeface="Wingdings" pitchFamily="2" charset="2"/>
+            </a:endParaRPr>
+          </a:p>
+          <a:p>
+            <a:r>
+              <a:rPr lang="en-IN" sz="3600" dirty="0" smtClean="0">
+                <a:sym typeface="Wingdings" pitchFamily="2" charset="2"/>
+              </a:rPr>
+              <a:t>							</a:t>
+            </a:r>
+            <a:r>
+              <a:rPr lang="en-IN" sz="2500" b="1" dirty="0">
+                <a:solidFill>
+                  <a:schemeClr val="tx1">
+                    <a:tint val="75000"/>
+                  </a:schemeClr>
+                </a:solidFill>
+                <a:sym typeface="Wingdings" pitchFamily="2" charset="2"/>
+              </a:rPr>
+              <a:t>Out </a:t>
+            </a:r>
+            <a:r>
+              <a:rPr lang="en-IN" sz="2500" b="1" dirty="0">
+                <a:solidFill>
+                  <a:schemeClr val="tx1">
+                    <a:tint val="75000"/>
+                  </a:schemeClr>
+                </a:solidFill>
                 <a:sym typeface="Wingdings" pitchFamily="2" charset="2"/>
               </a:rPr>
               <a:t>O</a:t>
             </a:r>
             <a:r>
-              <a:rPr lang="en-IN" sz="3600" dirty="0" smtClean="0">
+              <a:rPr lang="en-IN" sz="2500" b="1" dirty="0">
+                <a:solidFill>
+                  <a:schemeClr val="tx1">
+                    <a:tint val="75000"/>
+                  </a:schemeClr>
+                </a:solidFill>
                 <a:sym typeface="Wingdings" pitchFamily="2" charset="2"/>
               </a:rPr>
               <a:t>f Mind</a:t>
@@ -4257,11 +4509,57 @@
               <a:buFont typeface="Wingdings" pitchFamily="2" charset="2"/>
               <a:buChar char="Ø"/>
             </a:pPr>
+            <a:endParaRPr lang="en-IN" sz="3600" dirty="0" smtClean="0">
+              <a:sym typeface="Wingdings" pitchFamily="2" charset="2"/>
+            </a:endParaRPr>
+          </a:p>
+          <a:p>
+            <a:pPr marL="285750" indent="-285750">
+              <a:buFont typeface="Wingdings" pitchFamily="2" charset="2"/>
+              <a:buChar char="Ø"/>
+            </a:pPr>
             <a:r>
               <a:rPr lang="en-IN" sz="3600" dirty="0" smtClean="0">
                 <a:sym typeface="Wingdings" pitchFamily="2" charset="2"/>
               </a:rPr>
-              <a:t>Catching up locally/globally</a:t>
+              <a:t>Catching up</a:t>
+            </a:r>
+          </a:p>
+          <a:p>
+            <a:r>
+              <a:rPr lang="en-IN" sz="3600" dirty="0">
+                <a:sym typeface="Wingdings" pitchFamily="2" charset="2"/>
+              </a:rPr>
+              <a:t>	</a:t>
+            </a:r>
+            <a:r>
+              <a:rPr lang="en-IN" sz="3600" dirty="0" smtClean="0">
+                <a:sym typeface="Wingdings" pitchFamily="2" charset="2"/>
+              </a:rPr>
+              <a:t>			</a:t>
+            </a:r>
+            <a:r>
+              <a:rPr lang="en-IN" sz="3600" dirty="0">
+                <a:sym typeface="Wingdings" pitchFamily="2" charset="2"/>
+              </a:rPr>
+              <a:t>	</a:t>
+            </a:r>
+            <a:r>
+              <a:rPr lang="en-IN" sz="3600" dirty="0" smtClean="0">
+                <a:sym typeface="Wingdings" pitchFamily="2" charset="2"/>
+              </a:rPr>
+              <a:t>	</a:t>
+            </a:r>
+            <a:r>
+              <a:rPr lang="en-IN" sz="2500" b="1" dirty="0">
+                <a:solidFill>
+                  <a:schemeClr val="tx1">
+                    <a:tint val="75000"/>
+                  </a:schemeClr>
+                </a:solidFill>
+                <a:sym typeface="Wingdings" pitchFamily="2" charset="2"/>
+              </a:rPr>
+              <a:t>locally/globally</a:t>
             </a:r>
           </a:p>
         </p:txBody>
@@ -4320,40 +4618,9 @@
           <a:p>
             <a:pPr algn="r"/>
             <a:r>
-              <a:rPr lang="en-IN" dirty="0"/>
+              <a:rPr lang="en-IN" b="1" i="1" dirty="0"/>
               <a:t>Poker App</a:t>
             </a:r>
-          </a:p>
-        </p:txBody>
-      </p:sp>
-      <p:sp>
-        <p:nvSpPr>
-          <p:cNvPr id="4" name="Footer Placeholder 3"/>
-          <p:cNvSpPr>
-            <a:spLocks noGrp="1"/>
-          </p:cNvSpPr>
-          <p:nvPr>
-            <p:ph type="ftr" sz="quarter" idx="11"/>
-          </p:nvPr>
-        </p:nvSpPr>
-        <p:spPr/>
-        <p:txBody>
-          <a:bodyPr/>
-          <a:lstStyle/>
-          <a:p>
-            <a:r>
-              <a:rPr lang="en-US" dirty="0" err="1"/>
-              <a:t>Djangothon</a:t>
-            </a:r>
-            <a:r>
-              <a:rPr lang="en-US" dirty="0"/>
-              <a:t> </a:t>
-            </a:r>
-            <a:r>
-              <a:rPr lang="en-US" dirty="0" err="1"/>
-              <a:t>HackerEarth</a:t>
-            </a:r>
-            <a:endParaRPr lang="en-US" dirty="0"/>
           </a:p>
         </p:txBody>
       </p:sp>
@@ -4365,8 +4632,8 @@
         </p:nvSpPr>
         <p:spPr>
           <a:xfrm>
-            <a:off x="1143000" y="1371600"/>
-            <a:ext cx="6477000" cy="3416320"/>
+            <a:off x="457200" y="762000"/>
+            <a:ext cx="8229600" cy="5016758"/>
           </a:xfrm>
           <a:prstGeom prst="rect">
             <a:avLst/>
@@ -4380,7 +4647,7 @@
           <a:lstStyle/>
           <a:p>
             <a:r>
-              <a:rPr lang="en-IN" sz="3600" b="1" u="sng" dirty="0" smtClean="0"/>
+              <a:rPr lang="en-IN" sz="3600" u="sng" dirty="0" smtClean="0"/>
               <a:t>Approach</a:t>
             </a:r>
           </a:p>
@@ -4406,12 +4673,9 @@
               <a:buFont typeface="Wingdings" pitchFamily="2" charset="2"/>
               <a:buChar char="Ø"/>
             </a:pPr>
-            <a:r>
-              <a:rPr lang="en-IN" sz="3600" dirty="0" smtClean="0">
-                <a:sym typeface="Wingdings" pitchFamily="2" charset="2"/>
-              </a:rPr>
-              <a:t>Dash board (recommendations)</a:t>
-            </a:r>
+            <a:endParaRPr lang="en-IN" sz="3600" dirty="0" smtClean="0">
+              <a:sym typeface="Wingdings" pitchFamily="2" charset="2"/>
+            </a:endParaRPr>
           </a:p>
           <a:p>
             <a:pPr marL="285750" indent="-285750">
@@ -4422,8 +4686,157 @@
               <a:rPr lang="en-IN" sz="3600" dirty="0" smtClean="0">
                 <a:sym typeface="Wingdings" pitchFamily="2" charset="2"/>
               </a:rPr>
-              <a:t>Action (poking/ignoring) via respective channels &amp; protocols</a:t>
-            </a:r>
+              <a:t>Dash board</a:t>
+            </a:r>
+          </a:p>
+          <a:p>
+            <a:r>
+              <a:rPr lang="en-IN" sz="3200" i="1" dirty="0" smtClean="0">
+                <a:sym typeface="Wingdings" pitchFamily="2" charset="2"/>
+              </a:rPr>
+              <a:t>				</a:t>
+            </a:r>
+            <a:r>
+              <a:rPr lang="en-IN" sz="2500" b="1" dirty="0" smtClean="0">
+                <a:solidFill>
+                  <a:schemeClr val="tx1">
+                    <a:tint val="75000"/>
+                  </a:schemeClr>
+                </a:solidFill>
+                <a:sym typeface="Wingdings" pitchFamily="2" charset="2"/>
+              </a:rPr>
+              <a:t>recommendations </a:t>
+            </a:r>
+            <a:r>
+              <a:rPr lang="en-IN" sz="2500" b="1" dirty="0">
+                <a:solidFill>
+                  <a:schemeClr val="tx1">
+                    <a:tint val="75000"/>
+                  </a:schemeClr>
+                </a:solidFill>
+                <a:sym typeface="Wingdings" pitchFamily="2" charset="2"/>
+              </a:rPr>
+              <a:t>ML</a:t>
+            </a:r>
+            <a:r>
+              <a:rPr lang="en-IN" sz="2500" b="1" dirty="0">
+                <a:solidFill>
+                  <a:schemeClr val="tx1">
+                    <a:tint val="75000"/>
+                  </a:schemeClr>
+                </a:solidFill>
+                <a:sym typeface="Wingdings" pitchFamily="2" charset="2"/>
+              </a:rPr>
+              <a:t> </a:t>
+            </a:r>
+            <a:r>
+              <a:rPr lang="en-IN" sz="2500" b="1" dirty="0">
+                <a:solidFill>
+                  <a:schemeClr val="tx1">
+                    <a:tint val="75000"/>
+                  </a:schemeClr>
+                </a:solidFill>
+                <a:sym typeface="Wingdings" pitchFamily="2" charset="2"/>
+              </a:rPr>
+              <a:t>engine</a:t>
+            </a:r>
+          </a:p>
+          <a:p>
+            <a:pPr marL="285750" indent="-285750">
+              <a:buFont typeface="Wingdings" pitchFamily="2" charset="2"/>
+              <a:buChar char="Ø"/>
+            </a:pPr>
+            <a:endParaRPr lang="en-IN" sz="3600" dirty="0" smtClean="0">
+              <a:sym typeface="Wingdings" pitchFamily="2" charset="2"/>
+            </a:endParaRPr>
+          </a:p>
+          <a:p>
+            <a:pPr marL="285750" indent="-285750">
+              <a:buFont typeface="Wingdings" pitchFamily="2" charset="2"/>
+              <a:buChar char="Ø"/>
+            </a:pPr>
+            <a:r>
+              <a:rPr lang="en-IN" sz="3600" dirty="0" smtClean="0">
+                <a:sym typeface="Wingdings" pitchFamily="2" charset="2"/>
+              </a:rPr>
+              <a:t>Action of poking/ignoring</a:t>
+            </a:r>
+          </a:p>
+          <a:p>
+            <a:r>
+              <a:rPr lang="en-IN" sz="3600" dirty="0">
+                <a:sym typeface="Wingdings" pitchFamily="2" charset="2"/>
+              </a:rPr>
+              <a:t> </a:t>
+            </a:r>
+            <a:r>
+              <a:rPr lang="en-IN" sz="3600" dirty="0" smtClean="0">
+                <a:sym typeface="Wingdings" pitchFamily="2" charset="2"/>
+              </a:rPr>
+              <a:t>   			</a:t>
+            </a:r>
+            <a:r>
+              <a:rPr lang="en-IN" sz="2500" b="1" dirty="0" smtClean="0">
+                <a:solidFill>
+                  <a:schemeClr val="tx1">
+                    <a:tint val="75000"/>
+                  </a:schemeClr>
+                </a:solidFill>
+                <a:sym typeface="Wingdings" pitchFamily="2" charset="2"/>
+              </a:rPr>
+              <a:t>via </a:t>
+            </a:r>
+            <a:r>
+              <a:rPr lang="en-IN" sz="2500" b="1" dirty="0">
+                <a:solidFill>
+                  <a:schemeClr val="tx1">
+                    <a:tint val="75000"/>
+                  </a:schemeClr>
+                </a:solidFill>
+                <a:sym typeface="Wingdings" pitchFamily="2" charset="2"/>
+              </a:rPr>
+              <a:t>respective channels &amp; protocols</a:t>
+            </a:r>
+          </a:p>
+        </p:txBody>
+      </p:sp>
+      <p:sp>
+        <p:nvSpPr>
+          <p:cNvPr id="6" name="Footer Placeholder 3"/>
+          <p:cNvSpPr>
+            <a:spLocks noGrp="1"/>
+          </p:cNvSpPr>
+          <p:nvPr>
+            <p:ph type="ftr" sz="quarter" idx="11"/>
+          </p:nvPr>
+        </p:nvSpPr>
+        <p:spPr>
+          <a:xfrm>
+            <a:off x="3124200" y="6356350"/>
+            <a:ext cx="2895600" cy="365125"/>
+          </a:xfrm>
+        </p:spPr>
+        <p:txBody>
+          <a:bodyPr/>
+          <a:lstStyle/>
+          <a:p>
+            <a:r>
+              <a:rPr lang="en-US" sz="1600" b="1" dirty="0" err="1" smtClean="0"/>
+              <a:t>HackerEarth</a:t>
+            </a:r>
+            <a:r>
+              <a:rPr lang="en-US" sz="1600" b="1" dirty="0" smtClean="0"/>
+              <a:t> </a:t>
+            </a:r>
+            <a:r>
+              <a:rPr lang="en-US" sz="1600" b="1" dirty="0" err="1"/>
+              <a:t>Djangothon</a:t>
+            </a:r>
+            <a:r>
+              <a:rPr lang="en-US" sz="1600" b="1" dirty="0"/>
+              <a:t> </a:t>
+            </a:r>
+            <a:endParaRPr lang="en-US" sz="1600" b="1" dirty="0"/>
           </a:p>
         </p:txBody>
       </p:sp>
@@ -4481,40 +4894,13 @@
           <a:p>
             <a:pPr algn="r"/>
             <a:r>
-              <a:rPr lang="en-IN" dirty="0"/>
-              <a:t>Poker App</a:t>
-            </a:r>
-          </a:p>
-        </p:txBody>
-      </p:sp>
-      <p:sp>
-        <p:nvSpPr>
-          <p:cNvPr id="4" name="Footer Placeholder 3"/>
-          <p:cNvSpPr>
-            <a:spLocks noGrp="1"/>
-          </p:cNvSpPr>
-          <p:nvPr>
-            <p:ph type="ftr" sz="quarter" idx="11"/>
-          </p:nvPr>
-        </p:nvSpPr>
-        <p:spPr/>
-        <p:txBody>
-          <a:bodyPr/>
-          <a:lstStyle/>
-          <a:p>
-            <a:r>
-              <a:rPr lang="en-US" dirty="0" err="1"/>
-              <a:t>Djangothon</a:t>
-            </a:r>
-            <a:r>
-              <a:rPr lang="en-US" dirty="0"/>
-              <a:t> </a:t>
-            </a:r>
-            <a:r>
-              <a:rPr lang="en-US" dirty="0" err="1"/>
-              <a:t>HackerEarth</a:t>
-            </a:r>
-            <a:endParaRPr lang="en-US" dirty="0"/>
+              <a:rPr lang="en-IN" b="1" i="1" dirty="0" smtClean="0"/>
+              <a:t>Poker </a:t>
+            </a:r>
+            <a:r>
+              <a:rPr lang="en-IN" b="1" i="1" dirty="0"/>
+              <a:t>App</a:t>
+            </a:r>
           </a:p>
         </p:txBody>
       </p:sp>
@@ -4526,8 +4912,8 @@
         </p:nvSpPr>
         <p:spPr>
           <a:xfrm>
-            <a:off x="1143000" y="1371600"/>
-            <a:ext cx="6477000" cy="3416320"/>
+            <a:off x="457200" y="838200"/>
+            <a:ext cx="8229600" cy="5570756"/>
           </a:xfrm>
           <a:prstGeom prst="rect">
             <a:avLst/>
@@ -4541,11 +4927,11 @@
           <a:lstStyle/>
           <a:p>
             <a:r>
-              <a:rPr lang="en-IN" sz="3600" b="1" u="sng" dirty="0"/>
+              <a:rPr lang="en-IN" sz="3600" u="sng" dirty="0"/>
               <a:t>N</a:t>
             </a:r>
             <a:r>
-              <a:rPr lang="en-IN" sz="3600" b="1" u="sng" dirty="0" smtClean="0"/>
+              <a:rPr lang="en-IN" sz="3600" u="sng" dirty="0" smtClean="0"/>
               <a:t>ext</a:t>
             </a:r>
           </a:p>
@@ -4563,7 +4949,37 @@
               <a:rPr lang="en-IN" sz="3600" dirty="0" smtClean="0">
                 <a:sym typeface="Wingdings" pitchFamily="2" charset="2"/>
               </a:rPr>
-              <a:t>Communication to happen over respective channels</a:t>
+              <a:t>Communication follow up</a:t>
+            </a:r>
+          </a:p>
+          <a:p>
+            <a:r>
+              <a:rPr lang="en-IN" sz="3200" i="1" dirty="0" smtClean="0">
+                <a:sym typeface="Wingdings" pitchFamily="2" charset="2"/>
+              </a:rPr>
+              <a:t>			</a:t>
+            </a:r>
+            <a:r>
+              <a:rPr lang="en-IN" sz="2500" b="1" dirty="0" smtClean="0">
+                <a:solidFill>
+                  <a:schemeClr val="tx1">
+                    <a:tint val="75000"/>
+                  </a:schemeClr>
+                </a:solidFill>
+                <a:sym typeface="Wingdings" pitchFamily="2" charset="2"/>
+              </a:rPr>
+              <a:t>to </a:t>
+            </a:r>
+            <a:r>
+              <a:rPr lang="en-IN" sz="2500" b="1" dirty="0">
+                <a:solidFill>
+                  <a:schemeClr val="tx1">
+                    <a:tint val="75000"/>
+                  </a:schemeClr>
+                </a:solidFill>
+                <a:sym typeface="Wingdings" pitchFamily="2" charset="2"/>
+              </a:rPr>
+              <a:t>happen over respective channels</a:t>
             </a:r>
           </a:p>
           <a:p>
@@ -4571,12 +4987,9 @@
               <a:buFont typeface="Wingdings" pitchFamily="2" charset="2"/>
               <a:buChar char="Ø"/>
             </a:pPr>
-            <a:r>
-              <a:rPr lang="en-IN" sz="3600" dirty="0" smtClean="0">
-                <a:sym typeface="Wingdings" pitchFamily="2" charset="2"/>
-              </a:rPr>
-              <a:t>Addiction to poking </a:t>
-            </a:r>
+            <a:endParaRPr lang="en-IN" sz="3600" dirty="0" smtClean="0">
+              <a:sym typeface="Wingdings" pitchFamily="2" charset="2"/>
+            </a:endParaRPr>
           </a:p>
           <a:p>
             <a:pPr marL="285750" indent="-285750">
@@ -4587,8 +5000,125 @@
               <a:rPr lang="en-IN" sz="3600" dirty="0" smtClean="0">
                 <a:sym typeface="Wingdings" pitchFamily="2" charset="2"/>
               </a:rPr>
-              <a:t>Fun being notorious </a:t>
-            </a:r>
+              <a:t>Addiction </a:t>
+            </a:r>
+            <a:r>
+              <a:rPr lang="en-IN" sz="3600" dirty="0" smtClean="0">
+                <a:sym typeface="Wingdings" pitchFamily="2" charset="2"/>
+              </a:rPr>
+              <a:t>to </a:t>
+            </a:r>
+            <a:endParaRPr lang="en-IN" sz="3600" dirty="0" smtClean="0">
+              <a:sym typeface="Wingdings" pitchFamily="2" charset="2"/>
+            </a:endParaRPr>
+          </a:p>
+          <a:p>
+            <a:r>
+              <a:rPr lang="en-IN" sz="3600" dirty="0" smtClean="0">
+                <a:sym typeface="Wingdings" pitchFamily="2" charset="2"/>
+              </a:rPr>
+              <a:t>							</a:t>
+            </a:r>
+            <a:r>
+              <a:rPr lang="en-IN" sz="2500" b="1" dirty="0">
+                <a:solidFill>
+                  <a:schemeClr val="tx1">
+                    <a:tint val="75000"/>
+                  </a:schemeClr>
+                </a:solidFill>
+                <a:sym typeface="Wingdings" pitchFamily="2" charset="2"/>
+              </a:rPr>
+              <a:t>poking </a:t>
+            </a:r>
+          </a:p>
+          <a:p>
+            <a:pPr marL="285750" indent="-285750">
+              <a:buFont typeface="Wingdings" pitchFamily="2" charset="2"/>
+              <a:buChar char="Ø"/>
+            </a:pPr>
+            <a:endParaRPr lang="en-IN" sz="3600" dirty="0" smtClean="0">
+              <a:sym typeface="Wingdings" pitchFamily="2" charset="2"/>
+            </a:endParaRPr>
+          </a:p>
+          <a:p>
+            <a:pPr marL="285750" indent="-285750">
+              <a:buFont typeface="Wingdings" pitchFamily="2" charset="2"/>
+              <a:buChar char="Ø"/>
+            </a:pPr>
+            <a:r>
+              <a:rPr lang="en-IN" sz="3600" dirty="0" smtClean="0">
+                <a:sym typeface="Wingdings" pitchFamily="2" charset="2"/>
+              </a:rPr>
+              <a:t>Fun </a:t>
+            </a:r>
+            <a:r>
+              <a:rPr lang="en-IN" sz="3600" dirty="0" smtClean="0">
+                <a:sym typeface="Wingdings" pitchFamily="2" charset="2"/>
+              </a:rPr>
+              <a:t>being </a:t>
+            </a:r>
+            <a:endParaRPr lang="en-IN" sz="3600" dirty="0">
+              <a:sym typeface="Wingdings" pitchFamily="2" charset="2"/>
+            </a:endParaRPr>
+          </a:p>
+          <a:p>
+            <a:r>
+              <a:rPr lang="en-IN" sz="3600" dirty="0" smtClean="0">
+                <a:sym typeface="Wingdings" pitchFamily="2" charset="2"/>
+              </a:rPr>
+              <a:t>							</a:t>
+            </a:r>
+            <a:r>
+              <a:rPr lang="en-IN" sz="2500" b="1" dirty="0">
+                <a:solidFill>
+                  <a:schemeClr val="tx1">
+                    <a:tint val="75000"/>
+                  </a:schemeClr>
+                </a:solidFill>
+                <a:sym typeface="Wingdings" pitchFamily="2" charset="2"/>
+              </a:rPr>
+              <a:t>notorious</a:t>
+            </a:r>
+          </a:p>
+        </p:txBody>
+      </p:sp>
+      <p:sp>
+        <p:nvSpPr>
+          <p:cNvPr id="6" name="Footer Placeholder 3"/>
+          <p:cNvSpPr>
+            <a:spLocks noGrp="1"/>
+          </p:cNvSpPr>
+          <p:nvPr>
+            <p:ph type="ftr" sz="quarter" idx="11"/>
+          </p:nvPr>
+        </p:nvSpPr>
+        <p:spPr>
+          <a:xfrm>
+            <a:off x="3124200" y="6356350"/>
+            <a:ext cx="2895600" cy="365125"/>
+          </a:xfrm>
+        </p:spPr>
+        <p:txBody>
+          <a:bodyPr/>
+          <a:lstStyle/>
+          <a:p>
+            <a:r>
+              <a:rPr lang="en-US" sz="1600" b="1" dirty="0" err="1" smtClean="0"/>
+              <a:t>HackerEarth</a:t>
+            </a:r>
+            <a:r>
+              <a:rPr lang="en-US" sz="1600" b="1" dirty="0"/>
+              <a:t> </a:t>
+            </a:r>
+            <a:r>
+              <a:rPr lang="en-US" sz="1600" b="1" dirty="0" err="1"/>
+              <a:t>Djangothon</a:t>
+            </a:r>
+            <a:r>
+              <a:rPr lang="en-US" sz="1600" b="1" dirty="0"/>
+              <a:t> </a:t>
+            </a:r>
+            <a:endParaRPr lang="en-US" sz="1600" b="1" dirty="0"/>
           </a:p>
         </p:txBody>
       </p:sp>
@@ -4596,6 +5126,98 @@
     <p:extLst>
       <p:ext uri="{BB962C8B-B14F-4D97-AF65-F5344CB8AC3E}">
         <p14:creationId xmlns:p14="http://schemas.microsoft.com/office/powerpoint/2010/main" val="4259924582"/>
+      </p:ext>
+    </p:extLst>
+  </p:cSld>
+  <p:clrMapOvr>
+    <a:masterClrMapping/>
+  </p:clrMapOvr>
+</p:sld>
+</file>
+
+<file path=ppt/slides/slide5.xml><?xml version="1.0" encoding="utf-8"?>
+<p:sld xmlns:a="http://schemas.openxmlformats.org/drawingml/2006/main" xmlns:r="http://schemas.openxmlformats.org/officeDocument/2006/relationships" xmlns:p="http://schemas.openxmlformats.org/presentationml/2006/main">
+  <p:cSld>
+    <p:spTree>
+      <p:nvGrpSpPr>
+        <p:cNvPr id="1" name=""/>
+        <p:cNvGrpSpPr/>
+        <p:nvPr/>
+      </p:nvGrpSpPr>
+      <p:grpSpPr>
+        <a:xfrm>
+          <a:off x="0" y="0"/>
+          <a:ext cx="0" cy="0"/>
+          <a:chOff x="0" y="0"/>
+          <a:chExt cx="0" cy="0"/>
+        </a:xfrm>
+      </p:grpSpPr>
+      <p:sp>
+        <p:nvSpPr>
+          <p:cNvPr id="2" name="Title 1"/>
+          <p:cNvSpPr>
+            <a:spLocks noGrp="1"/>
+          </p:cNvSpPr>
+          <p:nvPr>
+            <p:ph type="ctrTitle"/>
+          </p:nvPr>
+        </p:nvSpPr>
+        <p:spPr>
+          <a:xfrm>
+            <a:off x="685800" y="1143000"/>
+            <a:ext cx="7772400" cy="1470025"/>
+          </a:xfrm>
+        </p:spPr>
+        <p:txBody>
+          <a:bodyPr>
+            <a:normAutofit/>
+          </a:bodyPr>
+          <a:lstStyle/>
+          <a:p>
+            <a:pPr algn="l"/>
+            <a:r>
+              <a:rPr lang="en-IN" dirty="0" smtClean="0"/>
+              <a:t>Thank U</a:t>
+            </a:r>
+            <a:endParaRPr lang="en-IN" dirty="0"/>
+          </a:p>
+        </p:txBody>
+      </p:sp>
+      <p:sp>
+        <p:nvSpPr>
+          <p:cNvPr id="3" name="Subtitle 2"/>
+          <p:cNvSpPr>
+            <a:spLocks noGrp="1"/>
+          </p:cNvSpPr>
+          <p:nvPr>
+            <p:ph type="subTitle" idx="1"/>
+          </p:nvPr>
+        </p:nvSpPr>
+        <p:spPr>
+          <a:xfrm>
+            <a:off x="4572000" y="4495800"/>
+            <a:ext cx="3276600" cy="1219200"/>
+          </a:xfrm>
+        </p:spPr>
+        <p:txBody>
+          <a:bodyPr>
+            <a:normAutofit/>
+          </a:bodyPr>
+          <a:lstStyle/>
+          <a:p>
+            <a:pPr algn="r"/>
+            <a:r>
+              <a:rPr lang="en-IN" b="1" dirty="0" smtClean="0"/>
+              <a:t>Lets poke ;-)</a:t>
+            </a:r>
+            <a:endParaRPr lang="en-IN" dirty="0" smtClean="0"/>
+          </a:p>
+        </p:txBody>
+      </p:sp>
+    </p:spTree>
+    <p:extLst>
+      <p:ext uri="{BB962C8B-B14F-4D97-AF65-F5344CB8AC3E}">
+        <p14:creationId xmlns:p14="http://schemas.microsoft.com/office/powerpoint/2010/main" val="956271982"/>
       </p:ext>
     </p:extLst>
   </p:cSld>

--- a/PokerJoker.pptx
+++ b/PokerJoker.pptx
@@ -4221,38 +4221,42 @@
         </p:nvSpPr>
         <p:spPr>
           <a:xfrm>
-            <a:off x="4572000" y="4495800"/>
-            <a:ext cx="3276600" cy="1219200"/>
+            <a:off x="5105400" y="4038600"/>
+            <a:ext cx="3276600" cy="2057400"/>
           </a:xfrm>
         </p:spPr>
         <p:txBody>
           <a:bodyPr>
-            <a:normAutofit fontScale="77500" lnSpcReduction="20000"/>
+            <a:noAutofit/>
           </a:bodyPr>
           <a:lstStyle/>
           <a:p>
             <a:pPr algn="r"/>
             <a:r>
-              <a:rPr lang="en-IN" b="1" dirty="0" err="1" smtClean="0"/>
+              <a:rPr lang="en-IN" sz="3600" b="1" dirty="0" err="1" smtClean="0"/>
               <a:t>Gagan</a:t>
             </a:r>
             <a:r>
-              <a:rPr lang="en-IN" b="1" dirty="0" smtClean="0"/>
-              <a:t> Singh</a:t>
-            </a:r>
+              <a:rPr lang="en-IN" sz="3600" b="1" dirty="0" smtClean="0"/>
+              <a:t> </a:t>
+            </a:r>
+            <a:r>
+              <a:rPr lang="en-IN" sz="3600" b="1" dirty="0" smtClean="0"/>
+              <a:t>King</a:t>
+            </a:r>
+            <a:endParaRPr lang="en-IN" sz="3600" b="1" dirty="0" smtClean="0"/>
           </a:p>
           <a:p>
             <a:pPr algn="r"/>
             <a:r>
-              <a:rPr lang="en-IN" dirty="0" smtClean="0"/>
+              <a:rPr lang="en-IN" sz="3600" dirty="0" smtClean="0"/>
               <a:t>Nikhilesh</a:t>
             </a:r>
-            <a:endParaRPr lang="en-IN" dirty="0" smtClean="0"/>
           </a:p>
           <a:p>
             <a:pPr algn="r"/>
             <a:r>
-              <a:rPr lang="en-IN" dirty="0" smtClean="0"/>
+              <a:rPr lang="en-IN" sz="3600" dirty="0" smtClean="0"/>
               <a:t>Sanjeev</a:t>
             </a:r>
           </a:p>
@@ -4349,7 +4353,6 @@
               <a:rPr lang="en-US" sz="1600" b="1" dirty="0"/>
               <a:t> </a:t>
             </a:r>
-            <a:endParaRPr lang="en-US" sz="1600" b="1" dirty="0"/>
           </a:p>
         </p:txBody>
       </p:sp>
@@ -4379,7 +4382,6 @@
               <a:rPr lang="en-IN" sz="3600" u="sng" dirty="0" smtClean="0"/>
               <a:t>Pains</a:t>
             </a:r>
-            <a:endParaRPr lang="en-IN" sz="3600" u="sng" dirty="0" smtClean="0"/>
           </a:p>
           <a:p>
             <a:endParaRPr lang="en-IN" sz="3600" dirty="0" smtClean="0">
@@ -4395,10 +4397,22 @@
               <a:rPr lang="en-IN" sz="3600" dirty="0" smtClean="0">
                 <a:sym typeface="Wingdings" pitchFamily="2" charset="2"/>
               </a:rPr>
-              <a:t>Contacts spread over dozen </a:t>
-            </a:r>
-            <a:r>
-              <a:rPr lang="en-IN" sz="3600" dirty="0">
+              <a:t>Contacts spread over </a:t>
+            </a:r>
+            <a:r>
+              <a:rPr lang="en-IN" sz="3600" dirty="0" smtClean="0">
+                <a:sym typeface="Wingdings" pitchFamily="2" charset="2"/>
+              </a:rPr>
+              <a:t>dozens of</a:t>
+            </a:r>
+            <a:r>
+              <a:rPr lang="en-IN" sz="3600" dirty="0" smtClean="0">
+                <a:sym typeface="Wingdings" pitchFamily="2" charset="2"/>
+              </a:rPr>
+              <a:t>			</a:t>
+            </a:r>
+            <a:r>
+              <a:rPr lang="en-IN" sz="3600" dirty="0" smtClean="0">
                 <a:sym typeface="Wingdings" pitchFamily="2" charset="2"/>
               </a:rPr>
               <a:t>	</a:t>
@@ -4407,7 +4421,7 @@
               <a:rPr lang="en-IN" sz="3600" dirty="0" smtClean="0">
                 <a:sym typeface="Wingdings" pitchFamily="2" charset="2"/>
               </a:rPr>
-              <a:t>						</a:t>
+              <a:t>			</a:t>
             </a:r>
             <a:r>
               <a:rPr lang="en-IN" sz="2500" b="1" dirty="0">
@@ -4451,13 +4465,7 @@
               <a:rPr lang="en-IN" sz="3600" dirty="0" smtClean="0">
                 <a:sym typeface="Wingdings" pitchFamily="2" charset="2"/>
               </a:rPr>
-              <a:t>f </a:t>
-            </a:r>
-            <a:r>
-              <a:rPr lang="en-IN" sz="3600" dirty="0" smtClean="0">
-                <a:sym typeface="Wingdings" pitchFamily="2" charset="2"/>
-              </a:rPr>
-              <a:t>Sight</a:t>
+              <a:t>f Sight</a:t>
             </a:r>
             <a:endParaRPr lang="en-IN" sz="3600" dirty="0">
               <a:sym typeface="Wingdings" pitchFamily="2" charset="2"/>
@@ -4479,29 +4487,7 @@
                 </a:solidFill>
                 <a:sym typeface="Wingdings" pitchFamily="2" charset="2"/>
               </a:rPr>
-              <a:t>Out </a:t>
-            </a:r>
-            <a:r>
-              <a:rPr lang="en-IN" sz="2500" b="1" dirty="0">
-                <a:solidFill>
-                  <a:schemeClr val="tx1">
-                    <a:tint val="75000"/>
-                  </a:schemeClr>
-                </a:solidFill>
-                <a:sym typeface="Wingdings" pitchFamily="2" charset="2"/>
-              </a:rPr>
-              <a:t>O</a:t>
-            </a:r>
-            <a:r>
-              <a:rPr lang="en-IN" sz="2500" b="1" dirty="0">
-                <a:solidFill>
-                  <a:schemeClr val="tx1">
-                    <a:tint val="75000"/>
-                  </a:schemeClr>
-                </a:solidFill>
-                <a:sym typeface="Wingdings" pitchFamily="2" charset="2"/>
-              </a:rPr>
-              <a:t>f Mind</a:t>
+              <a:t>Out Of Mind</a:t>
             </a:r>
           </a:p>
           <a:p>
@@ -4633,7 +4619,7 @@
         <p:spPr>
           <a:xfrm>
             <a:off x="457200" y="762000"/>
-            <a:ext cx="8229600" cy="5016758"/>
+            <a:ext cx="8229600" cy="5232202"/>
           </a:xfrm>
           <a:prstGeom prst="rect">
             <a:avLst/>
@@ -4669,33 +4655,6 @@
             </a:r>
           </a:p>
           <a:p>
-            <a:pPr marL="285750" indent="-285750">
-              <a:buFont typeface="Wingdings" pitchFamily="2" charset="2"/>
-              <a:buChar char="Ø"/>
-            </a:pPr>
-            <a:endParaRPr lang="en-IN" sz="3600" dirty="0" smtClean="0">
-              <a:sym typeface="Wingdings" pitchFamily="2" charset="2"/>
-            </a:endParaRPr>
-          </a:p>
-          <a:p>
-            <a:pPr marL="285750" indent="-285750">
-              <a:buFont typeface="Wingdings" pitchFamily="2" charset="2"/>
-              <a:buChar char="Ø"/>
-            </a:pPr>
-            <a:r>
-              <a:rPr lang="en-IN" sz="3600" dirty="0" smtClean="0">
-                <a:sym typeface="Wingdings" pitchFamily="2" charset="2"/>
-              </a:rPr>
-              <a:t>Dash board</a:t>
-            </a:r>
-          </a:p>
-          <a:p>
-            <a:r>
-              <a:rPr lang="en-IN" sz="3200" i="1" dirty="0" smtClean="0">
-                <a:sym typeface="Wingdings" pitchFamily="2" charset="2"/>
-              </a:rPr>
-              <a:t>				</a:t>
-            </a:r>
             <a:r>
               <a:rPr lang="en-IN" sz="2500" b="1" dirty="0" smtClean="0">
                 <a:solidFill>
@@ -4705,10 +4664,46 @@
                 </a:solidFill>
                 <a:sym typeface="Wingdings" pitchFamily="2" charset="2"/>
               </a:rPr>
-              <a:t>recommendations </a:t>
-            </a:r>
-            <a:r>
-              <a:rPr lang="en-IN" sz="2500" b="1" dirty="0">
+              <a:t>					past data &amp; ML engine</a:t>
+            </a:r>
+          </a:p>
+          <a:p>
+            <a:endParaRPr lang="en-IN" sz="2500" b="1" dirty="0">
+              <a:solidFill>
+                <a:schemeClr val="tx1">
+                  <a:tint val="75000"/>
+                </a:schemeClr>
+              </a:solidFill>
+              <a:sym typeface="Wingdings" pitchFamily="2" charset="2"/>
+            </a:endParaRPr>
+          </a:p>
+          <a:p>
+            <a:pPr marL="285750" indent="-285750">
+              <a:buFont typeface="Wingdings" pitchFamily="2" charset="2"/>
+              <a:buChar char="Ø"/>
+            </a:pPr>
+            <a:r>
+              <a:rPr lang="en-IN" sz="3600" dirty="0" smtClean="0">
+                <a:sym typeface="Wingdings" pitchFamily="2" charset="2"/>
+              </a:rPr>
+              <a:t>Dash board</a:t>
+            </a:r>
+          </a:p>
+          <a:p>
+            <a:r>
+              <a:rPr lang="en-IN" sz="3200" i="1" dirty="0" smtClean="0">
+                <a:sym typeface="Wingdings" pitchFamily="2" charset="2"/>
+              </a:rPr>
+              <a:t>				</a:t>
+            </a:r>
+            <a:r>
+              <a:rPr lang="en-IN" sz="3200" i="1" dirty="0" smtClean="0">
+                <a:sym typeface="Wingdings" pitchFamily="2" charset="2"/>
+              </a:rPr>
+              <a:t>		</a:t>
+            </a:r>
+            <a:r>
+              <a:rPr lang="en-IN" sz="2500" b="1" dirty="0" smtClean="0">
                 <a:solidFill>
                   <a:schemeClr val="tx1">
                     <a:tint val="75000"/>
@@ -4716,36 +4711,10 @@
                 </a:solidFill>
                 <a:sym typeface="Wingdings" pitchFamily="2" charset="2"/>
               </a:rPr>
-              <a:t>ML</a:t>
-            </a:r>
-            <a:r>
-              <a:rPr lang="en-IN" sz="2500" b="1" dirty="0">
-                <a:solidFill>
-                  <a:schemeClr val="tx1">
-                    <a:tint val="75000"/>
-                  </a:schemeClr>
-                </a:solidFill>
-                <a:sym typeface="Wingdings" pitchFamily="2" charset="2"/>
-              </a:rPr>
-              <a:t> </a:t>
-            </a:r>
-            <a:r>
-              <a:rPr lang="en-IN" sz="2500" b="1" dirty="0">
-                <a:solidFill>
-                  <a:schemeClr val="tx1">
-                    <a:tint val="75000"/>
-                  </a:schemeClr>
-                </a:solidFill>
-                <a:sym typeface="Wingdings" pitchFamily="2" charset="2"/>
-              </a:rPr>
-              <a:t>engine</a:t>
-            </a:r>
-          </a:p>
-          <a:p>
-            <a:pPr marL="285750" indent="-285750">
-              <a:buFont typeface="Wingdings" pitchFamily="2" charset="2"/>
-              <a:buChar char="Ø"/>
-            </a:pPr>
+              <a:t>recommendations</a:t>
+            </a:r>
+          </a:p>
+          <a:p>
             <a:endParaRPr lang="en-IN" sz="3600" dirty="0" smtClean="0">
               <a:sym typeface="Wingdings" pitchFamily="2" charset="2"/>
             </a:endParaRPr>
@@ -4836,7 +4805,6 @@
               <a:rPr lang="en-US" sz="1600" b="1" dirty="0"/>
               <a:t> </a:t>
             </a:r>
-            <a:endParaRPr lang="en-US" sz="1600" b="1" dirty="0"/>
           </a:p>
         </p:txBody>
       </p:sp>
@@ -5000,17 +4968,8 @@
               <a:rPr lang="en-IN" sz="3600" dirty="0" smtClean="0">
                 <a:sym typeface="Wingdings" pitchFamily="2" charset="2"/>
               </a:rPr>
-              <a:t>Addiction </a:t>
-            </a:r>
-            <a:r>
-              <a:rPr lang="en-IN" sz="3600" dirty="0" smtClean="0">
-                <a:sym typeface="Wingdings" pitchFamily="2" charset="2"/>
-              </a:rPr>
-              <a:t>to </a:t>
-            </a:r>
-            <a:endParaRPr lang="en-IN" sz="3600" dirty="0" smtClean="0">
-              <a:sym typeface="Wingdings" pitchFamily="2" charset="2"/>
-            </a:endParaRPr>
+              <a:t>Addiction to </a:t>
+            </a:r>
           </a:p>
           <a:p>
             <a:r>
@@ -5049,13 +5008,7 @@
               <a:rPr lang="en-IN" sz="3600" dirty="0" smtClean="0">
                 <a:sym typeface="Wingdings" pitchFamily="2" charset="2"/>
               </a:rPr>
-              <a:t>Fun </a:t>
-            </a:r>
-            <a:r>
-              <a:rPr lang="en-IN" sz="3600" dirty="0" smtClean="0">
-                <a:sym typeface="Wingdings" pitchFamily="2" charset="2"/>
-              </a:rPr>
-              <a:t>being </a:t>
+              <a:t>Fun being </a:t>
             </a:r>
             <a:endParaRPr lang="en-IN" sz="3600" dirty="0">
               <a:sym typeface="Wingdings" pitchFamily="2" charset="2"/>
@@ -5118,7 +5071,6 @@
               <a:rPr lang="en-US" sz="1600" b="1" dirty="0"/>
               <a:t> </a:t>
             </a:r>
-            <a:endParaRPr lang="en-US" sz="1600" b="1" dirty="0"/>
           </a:p>
         </p:txBody>
       </p:sp>
